--- a/데이터톤 발표용(미완).pptx
+++ b/데이터톤 발표용(미완).pptx
@@ -5,24 +5,25 @@
     <p:sldMasterId id="2147483746" r:id="rId1"/>
   </p:sldMasterIdLst>
   <p:notesMasterIdLst>
-    <p:notesMasterId r:id="rId14"/>
+    <p:notesMasterId r:id="rId15"/>
   </p:notesMasterIdLst>
   <p:handoutMasterIdLst>
-    <p:handoutMasterId r:id="rId15"/>
+    <p:handoutMasterId r:id="rId16"/>
   </p:handoutMasterIdLst>
   <p:sldIdLst>
-    <p:sldId id="257" r:id="rId2"/>
-    <p:sldId id="258" r:id="rId3"/>
-    <p:sldId id="260" r:id="rId4"/>
-    <p:sldId id="262" r:id="rId5"/>
-    <p:sldId id="263" r:id="rId6"/>
-    <p:sldId id="265" r:id="rId7"/>
-    <p:sldId id="261" r:id="rId8"/>
-    <p:sldId id="266" r:id="rId9"/>
-    <p:sldId id="267" r:id="rId10"/>
-    <p:sldId id="268" r:id="rId11"/>
-    <p:sldId id="264" r:id="rId12"/>
-    <p:sldId id="259" r:id="rId13"/>
+    <p:sldId id="270" r:id="rId2"/>
+    <p:sldId id="257" r:id="rId3"/>
+    <p:sldId id="258" r:id="rId4"/>
+    <p:sldId id="260" r:id="rId5"/>
+    <p:sldId id="262" r:id="rId6"/>
+    <p:sldId id="263" r:id="rId7"/>
+    <p:sldId id="265" r:id="rId8"/>
+    <p:sldId id="261" r:id="rId9"/>
+    <p:sldId id="266" r:id="rId10"/>
+    <p:sldId id="267" r:id="rId11"/>
+    <p:sldId id="268" r:id="rId12"/>
+    <p:sldId id="264" r:id="rId13"/>
+    <p:sldId id="259" r:id="rId14"/>
   </p:sldIdLst>
   <p:sldSz cx="12192000" cy="6858000"/>
   <p:notesSz cx="6858000" cy="9144000"/>
@@ -130,6 +131,97 @@
     </p:ext>
   </p:extLst>
 </p:presentation>
+</file>
+
+<file path=ppt/revisionInfo.xml><?xml version="1.0" encoding="utf-8"?>
+<p1510:revInfo xmlns:a="http://schemas.openxmlformats.org/drawingml/2006/main" xmlns:r="http://schemas.openxmlformats.org/officeDocument/2006/relationships" xmlns:p1510="http://schemas.microsoft.com/office/powerpoint/2015/10/main">
+  <p1510:revLst>
+    <p1510:client id="{D7D02009-BC22-4702-BC8F-3BA384810630}" v="8" dt="2022-03-10T07:45:43.140"/>
+  </p1510:revLst>
+</p1510:revInfo>
+</file>
+
+<file path=ppt/changesInfos/changesInfo1.xml><?xml version="1.0" encoding="utf-8"?>
+<pc:chgInfo xmlns:a="http://schemas.openxmlformats.org/drawingml/2006/main" xmlns:r="http://schemas.openxmlformats.org/officeDocument/2006/relationships" xmlns:ac="http://schemas.microsoft.com/office/drawing/2013/main/command" xmlns:pc="http://schemas.microsoft.com/office/powerpoint/2013/main/command">
+  <pc:docChgLst>
+    <pc:chgData name="Heung-sun Park" userId="f443d911578826b0" providerId="LiveId" clId="{D7D02009-BC22-4702-BC8F-3BA384810630}"/>
+    <pc:docChg chg="custSel addSld delSld modSld">
+      <pc:chgData name="Heung-sun Park" userId="f443d911578826b0" providerId="LiveId" clId="{D7D02009-BC22-4702-BC8F-3BA384810630}" dt="2022-03-10T07:46:01.611" v="19" actId="1076"/>
+      <pc:docMkLst>
+        <pc:docMk/>
+      </pc:docMkLst>
+      <pc:sldChg chg="addSp delSp modSp mod">
+        <pc:chgData name="Heung-sun Park" userId="f443d911578826b0" providerId="LiveId" clId="{D7D02009-BC22-4702-BC8F-3BA384810630}" dt="2022-03-10T07:44:33.881" v="12" actId="1076"/>
+        <pc:sldMkLst>
+          <pc:docMk/>
+          <pc:sldMk cId="4043737824" sldId="257"/>
+        </pc:sldMkLst>
+        <pc:spChg chg="add del">
+          <ac:chgData name="Heung-sun Park" userId="f443d911578826b0" providerId="LiveId" clId="{D7D02009-BC22-4702-BC8F-3BA384810630}" dt="2022-03-10T07:43:03.183" v="3" actId="478"/>
+          <ac:spMkLst>
+            <pc:docMk/>
+            <pc:sldMk cId="4043737824" sldId="257"/>
+            <ac:spMk id="8" creationId="{03D0B49A-C8C2-48A1-B1BB-97578AED1E94}"/>
+          </ac:spMkLst>
+        </pc:spChg>
+        <pc:picChg chg="del">
+          <ac:chgData name="Heung-sun Park" userId="f443d911578826b0" providerId="LiveId" clId="{D7D02009-BC22-4702-BC8F-3BA384810630}" dt="2022-03-10T07:44:24.859" v="11" actId="478"/>
+          <ac:picMkLst>
+            <pc:docMk/>
+            <pc:sldMk cId="4043737824" sldId="257"/>
+            <ac:picMk id="5" creationId="{282CF6DD-7FE8-4063-9551-1B7BBCE92ABE}"/>
+          </ac:picMkLst>
+        </pc:picChg>
+        <pc:picChg chg="add mod">
+          <ac:chgData name="Heung-sun Park" userId="f443d911578826b0" providerId="LiveId" clId="{D7D02009-BC22-4702-BC8F-3BA384810630}" dt="2022-03-10T07:43:29.261" v="6" actId="1076"/>
+          <ac:picMkLst>
+            <pc:docMk/>
+            <pc:sldMk cId="4043737824" sldId="257"/>
+            <ac:picMk id="9" creationId="{D730C55B-3DDA-465A-AADC-C6173C1A8E2B}"/>
+          </ac:picMkLst>
+        </pc:picChg>
+        <pc:picChg chg="add mod">
+          <ac:chgData name="Heung-sun Park" userId="f443d911578826b0" providerId="LiveId" clId="{D7D02009-BC22-4702-BC8F-3BA384810630}" dt="2022-03-10T07:44:33.881" v="12" actId="1076"/>
+          <ac:picMkLst>
+            <pc:docMk/>
+            <pc:sldMk cId="4043737824" sldId="257"/>
+            <ac:picMk id="10" creationId="{252EECDD-5EF9-474F-908A-535BC059E7C3}"/>
+          </ac:picMkLst>
+        </pc:picChg>
+      </pc:sldChg>
+      <pc:sldChg chg="new del">
+        <pc:chgData name="Heung-sun Park" userId="f443d911578826b0" providerId="LiveId" clId="{D7D02009-BC22-4702-BC8F-3BA384810630}" dt="2022-03-10T07:43:08.108" v="4" actId="47"/>
+        <pc:sldMkLst>
+          <pc:docMk/>
+          <pc:sldMk cId="1382552536" sldId="269"/>
+        </pc:sldMkLst>
+      </pc:sldChg>
+      <pc:sldChg chg="addSp modSp add mod setBg">
+        <pc:chgData name="Heung-sun Park" userId="f443d911578826b0" providerId="LiveId" clId="{D7D02009-BC22-4702-BC8F-3BA384810630}" dt="2022-03-10T07:46:01.611" v="19" actId="1076"/>
+        <pc:sldMkLst>
+          <pc:docMk/>
+          <pc:sldMk cId="122403986" sldId="270"/>
+        </pc:sldMkLst>
+        <pc:spChg chg="add mod">
+          <ac:chgData name="Heung-sun Park" userId="f443d911578826b0" providerId="LiveId" clId="{D7D02009-BC22-4702-BC8F-3BA384810630}" dt="2022-03-10T07:46:01.611" v="19" actId="1076"/>
+          <ac:spMkLst>
+            <pc:docMk/>
+            <pc:sldMk cId="122403986" sldId="270"/>
+            <ac:spMk id="5" creationId="{A14567F5-1186-472D-83EE-E41FAE0E33CE}"/>
+          </ac:spMkLst>
+        </pc:spChg>
+        <pc:picChg chg="mod">
+          <ac:chgData name="Heung-sun Park" userId="f443d911578826b0" providerId="LiveId" clId="{D7D02009-BC22-4702-BC8F-3BA384810630}" dt="2022-03-10T07:45:43.139" v="16" actId="1076"/>
+          <ac:picMkLst>
+            <pc:docMk/>
+            <pc:sldMk cId="122403986" sldId="270"/>
+            <ac:picMk id="1026" creationId="{38C129D8-7AF6-4657-ADEB-E61F16354BAA}"/>
+          </ac:picMkLst>
+        </pc:picChg>
+      </pc:sldChg>
+    </pc:docChg>
+  </pc:docChgLst>
+</pc:chgInfo>
 </file>
 
 <file path=ppt/handoutMasters/handoutMaster1.xml><?xml version="1.0" encoding="utf-8"?>
@@ -4848,14 +4940,6 @@
 <file path=ppt/slides/slide1.xml><?xml version="1.0" encoding="utf-8"?>
 <p:sld xmlns:a="http://schemas.openxmlformats.org/drawingml/2006/main" xmlns:r="http://schemas.openxmlformats.org/officeDocument/2006/relationships" xmlns:p="http://schemas.openxmlformats.org/presentationml/2006/main">
   <p:cSld>
-    <p:bg>
-      <p:bgPr>
-        <a:solidFill>
-          <a:schemeClr val="bg1"/>
-        </a:solidFill>
-        <a:effectLst/>
-      </p:bgPr>
-    </p:bg>
     <p:spTree>
       <p:nvGrpSpPr>
         <p:cNvPr id="1" name=""/>
@@ -4870,215 +4954,58 @@
           <a:chExt cx="0" cy="0"/>
         </a:xfrm>
       </p:grpSpPr>
-      <p:sp useBgFill="1">
-        <p:nvSpPr>
-          <p:cNvPr id="22" name="직사각형 21">
+      <p:pic>
+        <p:nvPicPr>
+          <p:cNvPr id="1026" name="Picture 2">
             <a:extLst>
               <a:ext uri="{FF2B5EF4-FFF2-40B4-BE49-F238E27FC236}">
-                <a16:creationId xmlns:a16="http://schemas.microsoft.com/office/drawing/2014/main" id="{A9286AD2-18A9-4868-A4E3-7A2097A20810}"/>
-              </a:ext>
-              <a:ext uri="{C183D7F6-B498-43B3-948B-1728B52AA6E4}">
-                <adec:decorative xmlns:adec="http://schemas.microsoft.com/office/drawing/2017/decorative" val="1"/>
+                <a16:creationId xmlns:a16="http://schemas.microsoft.com/office/drawing/2014/main" id="{38C129D8-7AF6-4657-ADEB-E61F16354BAA}"/>
               </a:ext>
             </a:extLst>
           </p:cNvPr>
-          <p:cNvSpPr>
-            <a:spLocks noGrp="1" noRot="1" noChangeAspect="1" noMove="1" noResize="1" noEditPoints="1" noAdjustHandles="1" noChangeArrowheads="1" noChangeShapeType="1" noTextEdit="1"/>
-          </p:cNvSpPr>
-          <p:nvPr>
-            <p:extLst>
-              <p:ext uri="{386F3935-93C4-4BCD-93E2-E3B085C9AB24}">
-                <p16:designElem xmlns:p16="http://schemas.microsoft.com/office/powerpoint/2015/main" val="1"/>
-              </p:ext>
-            </p:extLst>
-          </p:nvPr>
-        </p:nvSpPr>
-        <p:spPr>
+          <p:cNvPicPr>
+            <a:picLocks noChangeAspect="1" noChangeArrowheads="1"/>
+          </p:cNvPicPr>
+          <p:nvPr/>
+        </p:nvPicPr>
+        <p:blipFill>
+          <a:blip r:embed="rId2">
+            <a:extLst>
+              <a:ext uri="{28A0092B-C50C-407E-A947-70E740481C1C}">
+                <a14:useLocalDpi xmlns:a14="http://schemas.microsoft.com/office/drawing/2010/main" val="0"/>
+              </a:ext>
+            </a:extLst>
+          </a:blip>
+          <a:stretch>
+            <a:fillRect/>
+          </a:stretch>
+        </p:blipFill>
+        <p:spPr bwMode="auto">
           <a:xfrm>
-            <a:off x="0" y="1"/>
-            <a:ext cx="12192001" cy="6857999"/>
+            <a:off x="341372" y="1797045"/>
+            <a:ext cx="6716272" cy="4483111"/>
           </a:xfrm>
           <a:prstGeom prst="rect">
             <a:avLst/>
           </a:prstGeom>
-          <a:ln>
-            <a:noFill/>
-          </a:ln>
+          <a:noFill/>
+          <a:extLst>
+            <a:ext uri="{909E8E84-426E-40DD-AFC4-6F175D3DCCD1}">
+              <a14:hiddenFill xmlns:a14="http://schemas.microsoft.com/office/drawing/2010/main">
+                <a:solidFill>
+                  <a:srgbClr val="FFFFFF"/>
+                </a:solidFill>
+              </a14:hiddenFill>
+            </a:ext>
+          </a:extLst>
         </p:spPr>
-        <p:style>
-          <a:lnRef idx="2">
-            <a:schemeClr val="accent1">
-              <a:shade val="50000"/>
-            </a:schemeClr>
-          </a:lnRef>
-          <a:fillRef idx="1">
-            <a:schemeClr val="accent1"/>
-          </a:fillRef>
-          <a:effectRef idx="0">
-            <a:schemeClr val="accent1"/>
-          </a:effectRef>
-          <a:fontRef idx="minor">
-            <a:schemeClr val="lt1"/>
-          </a:fontRef>
-        </p:style>
-        <p:txBody>
-          <a:bodyPr rtlCol="0" anchor="ctr"/>
-          <a:lstStyle/>
-          <a:p>
-            <a:pPr algn="ctr" rtl="0"/>
-            <a:endParaRPr lang="en-US"/>
-          </a:p>
-        </p:txBody>
-      </p:sp>
-      <p:sp>
-        <p:nvSpPr>
-          <p:cNvPr id="2" name="제목 1">
+      </p:pic>
+      <p:pic>
+        <p:nvPicPr>
+          <p:cNvPr id="2" name="그림 1">
             <a:extLst>
               <a:ext uri="{FF2B5EF4-FFF2-40B4-BE49-F238E27FC236}">
-                <a16:creationId xmlns:a16="http://schemas.microsoft.com/office/drawing/2014/main" id="{78FD68DA-43BA-4508-8DE2-BA9BB7B2FA5B}"/>
-              </a:ext>
-            </a:extLst>
-          </p:cNvPr>
-          <p:cNvSpPr>
-            <a:spLocks noGrp="1"/>
-          </p:cNvSpPr>
-          <p:nvPr>
-            <p:ph type="ctrTitle"/>
-          </p:nvPr>
-        </p:nvSpPr>
-        <p:spPr>
-          <a:xfrm>
-            <a:off x="4859195" y="2318640"/>
-            <a:ext cx="7130462" cy="1395586"/>
-          </a:xfrm>
-        </p:spPr>
-        <p:txBody>
-          <a:bodyPr rtlCol="0">
-            <a:normAutofit fontScale="90000"/>
-          </a:bodyPr>
-          <a:lstStyle/>
-          <a:p>
-            <a:pPr rtl="0"/>
-            <a:r>
-              <a:rPr lang="en-US" altLang="ko" sz="7200" dirty="0">
-                <a:latin typeface="Batang" panose="02030600000101010101" pitchFamily="18" charset="-127"/>
-                <a:ea typeface="Batang" panose="02030600000101010101" pitchFamily="18" charset="-127"/>
-              </a:rPr>
-              <a:t>KBO </a:t>
-            </a:r>
-            <a:r>
-              <a:rPr lang="ko-KR" altLang="en-US" sz="7200" dirty="0">
-                <a:latin typeface="Batang" panose="02030600000101010101" pitchFamily="18" charset="-127"/>
-                <a:ea typeface="Batang" panose="02030600000101010101" pitchFamily="18" charset="-127"/>
-              </a:rPr>
-              <a:t>데이터 셋을 </a:t>
-            </a:r>
-            <a:br>
-              <a:rPr lang="en-US" altLang="ko-KR" sz="7200" dirty="0">
-                <a:latin typeface="Batang" panose="02030600000101010101" pitchFamily="18" charset="-127"/>
-                <a:ea typeface="Batang" panose="02030600000101010101" pitchFamily="18" charset="-127"/>
-              </a:rPr>
-            </a:br>
-            <a:r>
-              <a:rPr lang="en-US" altLang="ko-KR" sz="7200" dirty="0">
-                <a:latin typeface="Batang" panose="02030600000101010101" pitchFamily="18" charset="-127"/>
-                <a:ea typeface="Batang" panose="02030600000101010101" pitchFamily="18" charset="-127"/>
-              </a:rPr>
-              <a:t>  </a:t>
-            </a:r>
-            <a:r>
-              <a:rPr lang="ko-KR" altLang="en-US" sz="7200" dirty="0">
-                <a:latin typeface="Batang" panose="02030600000101010101" pitchFamily="18" charset="-127"/>
-                <a:ea typeface="Batang" panose="02030600000101010101" pitchFamily="18" charset="-127"/>
-              </a:rPr>
-              <a:t>분석해보자</a:t>
-            </a:r>
-            <a:endParaRPr lang="ko" sz="7200" dirty="0">
-              <a:latin typeface="Batang" panose="02030600000101010101" pitchFamily="18" charset="-127"/>
-              <a:ea typeface="Batang" panose="02030600000101010101" pitchFamily="18" charset="-127"/>
-            </a:endParaRPr>
-          </a:p>
-        </p:txBody>
-      </p:sp>
-      <p:sp>
-        <p:nvSpPr>
-          <p:cNvPr id="3" name="부제목 2">
-            <a:extLst>
-              <a:ext uri="{FF2B5EF4-FFF2-40B4-BE49-F238E27FC236}">
-                <a16:creationId xmlns:a16="http://schemas.microsoft.com/office/drawing/2014/main" id="{A8E9CFF2-3777-4FF4-A759-8491175B0B7C}"/>
-              </a:ext>
-            </a:extLst>
-          </p:cNvPr>
-          <p:cNvSpPr>
-            <a:spLocks noGrp="1"/>
-          </p:cNvSpPr>
-          <p:nvPr>
-            <p:ph type="subTitle" idx="1"/>
-          </p:nvPr>
-        </p:nvSpPr>
-        <p:spPr>
-          <a:xfrm>
-            <a:off x="5289753" y="4672739"/>
-            <a:ext cx="6269347" cy="1021498"/>
-          </a:xfrm>
-        </p:spPr>
-        <p:txBody>
-          <a:bodyPr rtlCol="0">
-            <a:normAutofit/>
-          </a:bodyPr>
-          <a:lstStyle/>
-          <a:p>
-            <a:pPr rtl="0"/>
-            <a:r>
-              <a:rPr lang="ko-KR" altLang="en-US" sz="2400" dirty="0">
-                <a:solidFill>
-                  <a:schemeClr val="tx1">
-                    <a:lumMod val="85000"/>
-                    <a:lumOff val="15000"/>
-                  </a:schemeClr>
-                </a:solidFill>
-              </a:rPr>
-              <a:t>팀</a:t>
-            </a:r>
-            <a:r>
-              <a:rPr lang="en-US" altLang="ko-KR" sz="2400" dirty="0">
-                <a:solidFill>
-                  <a:schemeClr val="tx1">
-                    <a:lumMod val="85000"/>
-                    <a:lumOff val="15000"/>
-                  </a:schemeClr>
-                </a:solidFill>
-              </a:rPr>
-              <a:t>: </a:t>
-            </a:r>
-            <a:r>
-              <a:rPr lang="en-US" altLang="ko-KR" dirty="0">
-                <a:solidFill>
-                  <a:schemeClr val="tx1">
-                    <a:lumMod val="85000"/>
-                    <a:lumOff val="15000"/>
-                  </a:schemeClr>
-                </a:solidFill>
-              </a:rPr>
-              <a:t>Money ball </a:t>
-            </a:r>
-            <a:endParaRPr lang="ko" sz="2400" dirty="0">
-              <a:solidFill>
-                <a:schemeClr val="tx1">
-                  <a:lumMod val="85000"/>
-                  <a:lumOff val="15000"/>
-                </a:schemeClr>
-              </a:solidFill>
-            </a:endParaRPr>
-          </a:p>
-        </p:txBody>
-      </p:sp>
-      <p:pic>
-        <p:nvPicPr>
-          <p:cNvPr id="5" name="그림 4" descr="건물, 앉아 있음, 벤치, 옆면 그림&#10;&#10;자동 생성되는 설명">
-            <a:extLst>
-              <a:ext uri="{FF2B5EF4-FFF2-40B4-BE49-F238E27FC236}">
-                <a16:creationId xmlns:a16="http://schemas.microsoft.com/office/drawing/2014/main" id="{282CF6DD-7FE8-4063-9551-1B7BBCE92ABE}"/>
+                <a16:creationId xmlns:a16="http://schemas.microsoft.com/office/drawing/2014/main" id="{139A780D-C5B0-45CA-B464-22D3B2A734C9}"/>
               </a:ext>
             </a:extLst>
           </p:cNvPr>
@@ -5087,86 +5014,92 @@
           </p:cNvPicPr>
           <p:nvPr/>
         </p:nvPicPr>
-        <p:blipFill rotWithShape="1">
-          <a:blip r:embed="rId2">
-            <a:extLst>
-              <a:ext uri="{28A0092B-C50C-407E-A947-70E740481C1C}">
-                <a14:useLocalDpi xmlns:a14="http://schemas.microsoft.com/office/drawing/2010/main" val="0"/>
-              </a:ext>
-            </a:extLst>
-          </a:blip>
-          <a:srcRect/>
-          <a:stretch/>
+        <p:blipFill>
+          <a:blip r:embed="rId3"/>
+          <a:stretch>
+            <a:fillRect/>
+          </a:stretch>
         </p:blipFill>
         <p:spPr>
           <a:xfrm>
-            <a:off x="-1" y="1"/>
-            <a:ext cx="4635315" cy="6857999"/>
+            <a:off x="7534655" y="484632"/>
+            <a:ext cx="4107394" cy="5888737"/>
           </a:xfrm>
           <a:prstGeom prst="rect">
             <a:avLst/>
           </a:prstGeom>
         </p:spPr>
       </p:pic>
-      <p:cxnSp>
-        <p:nvCxnSpPr>
-          <p:cNvPr id="24" name="직선 연결선(S) 23">
+      <p:sp>
+        <p:nvSpPr>
+          <p:cNvPr id="5" name="TextBox 4">
             <a:extLst>
               <a:ext uri="{FF2B5EF4-FFF2-40B4-BE49-F238E27FC236}">
-                <a16:creationId xmlns:a16="http://schemas.microsoft.com/office/drawing/2014/main" id="{E7A7CD63-7EC3-44F3-95D0-595C4019FF24}"/>
-              </a:ext>
-              <a:ext uri="{C183D7F6-B498-43B3-948B-1728B52AA6E4}">
-                <adec:decorative xmlns:adec="http://schemas.microsoft.com/office/drawing/2017/decorative" val="1"/>
+                <a16:creationId xmlns:a16="http://schemas.microsoft.com/office/drawing/2014/main" id="{A14567F5-1186-472D-83EE-E41FAE0E33CE}"/>
               </a:ext>
             </a:extLst>
           </p:cNvPr>
-          <p:cNvCxnSpPr>
-            <a:cxnSpLocks noGrp="1" noRot="1" noChangeAspect="1" noMove="1" noResize="1" noEditPoints="1" noAdjustHandles="1" noChangeArrowheads="1" noChangeShapeType="1"/>
-          </p:cNvCxnSpPr>
-          <p:nvPr>
-            <p:extLst>
-              <p:ext uri="{386F3935-93C4-4BCD-93E2-E3B085C9AB24}">
-                <p16:designElem xmlns:p16="http://schemas.microsoft.com/office/powerpoint/2015/main" val="1"/>
-              </p:ext>
-            </p:extLst>
-          </p:nvPr>
-        </p:nvCxnSpPr>
+          <p:cNvSpPr txBox="1"/>
+          <p:nvPr/>
+        </p:nvSpPr>
         <p:spPr>
           <a:xfrm>
-            <a:off x="5427754" y="4498925"/>
-            <a:ext cx="5636107" cy="0"/>
+            <a:off x="341372" y="484632"/>
+            <a:ext cx="6096000" cy="646331"/>
           </a:xfrm>
-          <a:prstGeom prst="line">
+          <a:prstGeom prst="rect">
             <a:avLst/>
           </a:prstGeom>
-          <a:ln w="12700">
-            <a:solidFill>
-              <a:schemeClr val="tx1">
-                <a:lumMod val="75000"/>
-                <a:lumOff val="25000"/>
-              </a:schemeClr>
-            </a:solidFill>
-          </a:ln>
+          <a:noFill/>
         </p:spPr>
-        <p:style>
-          <a:lnRef idx="1">
-            <a:schemeClr val="accent1"/>
-          </a:lnRef>
-          <a:fillRef idx="0">
-            <a:schemeClr val="accent1"/>
-          </a:fillRef>
-          <a:effectRef idx="0">
-            <a:schemeClr val="accent1"/>
-          </a:effectRef>
-          <a:fontRef idx="minor">
-            <a:schemeClr val="tx1"/>
-          </a:fontRef>
-        </p:style>
-      </p:cxnSp>
+        <p:txBody>
+          <a:bodyPr wrap="square">
+            <a:spAutoFit/>
+          </a:bodyPr>
+          <a:lstStyle/>
+          <a:p>
+            <a:r>
+              <a:rPr lang="en-US" altLang="ko" sz="1800" dirty="0">
+                <a:latin typeface="Batang" panose="02030600000101010101" pitchFamily="18" charset="-127"/>
+                <a:ea typeface="Batang" panose="02030600000101010101" pitchFamily="18" charset="-127"/>
+              </a:rPr>
+              <a:t>KBO </a:t>
+            </a:r>
+            <a:r>
+              <a:rPr lang="ko-KR" altLang="en-US" sz="1800" dirty="0">
+                <a:latin typeface="Batang" panose="02030600000101010101" pitchFamily="18" charset="-127"/>
+                <a:ea typeface="Batang" panose="02030600000101010101" pitchFamily="18" charset="-127"/>
+              </a:rPr>
+              <a:t>데이터 셋을 </a:t>
+            </a:r>
+            <a:br>
+              <a:rPr lang="en-US" altLang="ko-KR" sz="1800" dirty="0">
+                <a:latin typeface="Batang" panose="02030600000101010101" pitchFamily="18" charset="-127"/>
+                <a:ea typeface="Batang" panose="02030600000101010101" pitchFamily="18" charset="-127"/>
+              </a:rPr>
+            </a:br>
+            <a:r>
+              <a:rPr lang="en-US" altLang="ko-KR" sz="1800" dirty="0">
+                <a:latin typeface="Batang" panose="02030600000101010101" pitchFamily="18" charset="-127"/>
+                <a:ea typeface="Batang" panose="02030600000101010101" pitchFamily="18" charset="-127"/>
+              </a:rPr>
+              <a:t>  </a:t>
+            </a:r>
+            <a:r>
+              <a:rPr lang="ko-KR" altLang="en-US" sz="1800" dirty="0">
+                <a:latin typeface="Batang" panose="02030600000101010101" pitchFamily="18" charset="-127"/>
+                <a:ea typeface="Batang" panose="02030600000101010101" pitchFamily="18" charset="-127"/>
+              </a:rPr>
+              <a:t>분석해보자</a:t>
+            </a:r>
+            <a:endParaRPr lang="ko-KR" altLang="en-US" dirty="0"/>
+          </a:p>
+        </p:txBody>
+      </p:sp>
     </p:spTree>
     <p:extLst>
       <p:ext uri="{BB962C8B-B14F-4D97-AF65-F5344CB8AC3E}">
-        <p14:creationId xmlns:p14="http://schemas.microsoft.com/office/powerpoint/2010/main" val="4043737824"/>
+        <p14:creationId xmlns:p14="http://schemas.microsoft.com/office/powerpoint/2010/main" val="122403986"/>
       </p:ext>
     </p:extLst>
   </p:cSld>
@@ -5177,6 +5110,184 @@
 </file>
 
 <file path=ppt/slides/slide10.xml><?xml version="1.0" encoding="utf-8"?>
+<p:sld xmlns:a="http://schemas.openxmlformats.org/drawingml/2006/main" xmlns:r="http://schemas.openxmlformats.org/officeDocument/2006/relationships" xmlns:p="http://schemas.openxmlformats.org/presentationml/2006/main">
+  <p:cSld>
+    <p:spTree>
+      <p:nvGrpSpPr>
+        <p:cNvPr id="1" name=""/>
+        <p:cNvGrpSpPr/>
+        <p:nvPr/>
+      </p:nvGrpSpPr>
+      <p:grpSpPr>
+        <a:xfrm>
+          <a:off x="0" y="0"/>
+          <a:ext cx="0" cy="0"/>
+          <a:chOff x="0" y="0"/>
+          <a:chExt cx="0" cy="0"/>
+        </a:xfrm>
+      </p:grpSpPr>
+      <p:sp>
+        <p:nvSpPr>
+          <p:cNvPr id="2" name="날짜 개체 틀 1">
+            <a:extLst>
+              <a:ext uri="{FF2B5EF4-FFF2-40B4-BE49-F238E27FC236}">
+                <a16:creationId xmlns:a16="http://schemas.microsoft.com/office/drawing/2014/main" id="{E265EF42-D778-4A19-A814-A21F826D89A7}"/>
+              </a:ext>
+            </a:extLst>
+          </p:cNvPr>
+          <p:cNvSpPr>
+            <a:spLocks noGrp="1"/>
+          </p:cNvSpPr>
+          <p:nvPr>
+            <p:ph type="dt" sz="half" idx="10"/>
+          </p:nvPr>
+        </p:nvSpPr>
+        <p:spPr/>
+        <p:txBody>
+          <a:bodyPr/>
+          <a:lstStyle/>
+          <a:p>
+            <a:fld id="{0217DB4B-3A50-4455-B2E8-E700516BF366}" type="datetime1">
+              <a:rPr lang="ko-KR" altLang="en-US" smtClean="0"/>
+              <a:t>2022-03-10</a:t>
+            </a:fld>
+            <a:endParaRPr lang="en-US" dirty="0"/>
+          </a:p>
+        </p:txBody>
+      </p:sp>
+      <p:pic>
+        <p:nvPicPr>
+          <p:cNvPr id="4" name="그림 3">
+            <a:extLst>
+              <a:ext uri="{FF2B5EF4-FFF2-40B4-BE49-F238E27FC236}">
+                <a16:creationId xmlns:a16="http://schemas.microsoft.com/office/drawing/2014/main" id="{CF7B8D92-B55A-47F1-9691-BD2C551FF681}"/>
+              </a:ext>
+            </a:extLst>
+          </p:cNvPr>
+          <p:cNvPicPr>
+            <a:picLocks noChangeAspect="1"/>
+          </p:cNvPicPr>
+          <p:nvPr/>
+        </p:nvPicPr>
+        <p:blipFill>
+          <a:blip r:embed="rId2">
+            <a:extLst>
+              <a:ext uri="{28A0092B-C50C-407E-A947-70E740481C1C}">
+                <a14:useLocalDpi xmlns:a14="http://schemas.microsoft.com/office/drawing/2010/main" val="0"/>
+              </a:ext>
+            </a:extLst>
+          </a:blip>
+          <a:stretch>
+            <a:fillRect/>
+          </a:stretch>
+        </p:blipFill>
+        <p:spPr>
+          <a:xfrm>
+            <a:off x="0" y="179631"/>
+            <a:ext cx="12192000" cy="6267207"/>
+          </a:xfrm>
+          <a:prstGeom prst="rect">
+            <a:avLst/>
+          </a:prstGeom>
+        </p:spPr>
+      </p:pic>
+    </p:spTree>
+    <p:extLst>
+      <p:ext uri="{BB962C8B-B14F-4D97-AF65-F5344CB8AC3E}">
+        <p14:creationId xmlns:p14="http://schemas.microsoft.com/office/powerpoint/2010/main" val="377918841"/>
+      </p:ext>
+    </p:extLst>
+  </p:cSld>
+  <p:clrMapOvr>
+    <a:masterClrMapping/>
+  </p:clrMapOvr>
+  <p:timing>
+    <p:tnLst>
+      <p:par>
+        <p:cTn id="1" dur="indefinite" restart="never" nodeType="tmRoot">
+          <p:childTnLst>
+            <p:seq concurrent="1" nextAc="seek">
+              <p:cTn id="2" dur="indefinite" nodeType="mainSeq">
+                <p:childTnLst>
+                  <p:par>
+                    <p:cTn id="3" fill="hold">
+                      <p:stCondLst>
+                        <p:cond delay="indefinite"/>
+                      </p:stCondLst>
+                      <p:childTnLst>
+                        <p:par>
+                          <p:cTn id="4" fill="hold">
+                            <p:stCondLst>
+                              <p:cond delay="0"/>
+                            </p:stCondLst>
+                            <p:childTnLst>
+                              <p:par>
+                                <p:cTn id="5" presetID="22" presetClass="entr" presetSubtype="4" fill="hold" nodeType="clickEffect">
+                                  <p:stCondLst>
+                                    <p:cond delay="0"/>
+                                  </p:stCondLst>
+                                  <p:childTnLst>
+                                    <p:set>
+                                      <p:cBhvr>
+                                        <p:cTn id="6" dur="1" fill="hold">
+                                          <p:stCondLst>
+                                            <p:cond delay="0"/>
+                                          </p:stCondLst>
+                                        </p:cTn>
+                                        <p:tgtEl>
+                                          <p:spTgt spid="4"/>
+                                        </p:tgtEl>
+                                        <p:attrNameLst>
+                                          <p:attrName>style.visibility</p:attrName>
+                                        </p:attrNameLst>
+                                      </p:cBhvr>
+                                      <p:to>
+                                        <p:strVal val="visible"/>
+                                      </p:to>
+                                    </p:set>
+                                    <p:animEffect transition="in" filter="wipe(down)">
+                                      <p:cBhvr>
+                                        <p:cTn id="7" dur="500"/>
+                                        <p:tgtEl>
+                                          <p:spTgt spid="4"/>
+                                        </p:tgtEl>
+                                      </p:cBhvr>
+                                    </p:animEffect>
+                                  </p:childTnLst>
+                                </p:cTn>
+                              </p:par>
+                            </p:childTnLst>
+                          </p:cTn>
+                        </p:par>
+                      </p:childTnLst>
+                    </p:cTn>
+                  </p:par>
+                </p:childTnLst>
+              </p:cTn>
+              <p:prevCondLst>
+                <p:cond evt="onPrev" delay="0">
+                  <p:tgtEl>
+                    <p:sldTgt/>
+                  </p:tgtEl>
+                </p:cond>
+              </p:prevCondLst>
+              <p:nextCondLst>
+                <p:cond evt="onNext" delay="0">
+                  <p:tgtEl>
+                    <p:sldTgt/>
+                  </p:tgtEl>
+                </p:cond>
+              </p:nextCondLst>
+            </p:seq>
+          </p:childTnLst>
+        </p:cTn>
+      </p:par>
+    </p:tnLst>
+  </p:timing>
+</p:sld>
+</file>
+
+<file path=ppt/slides/slide11.xml><?xml version="1.0" encoding="utf-8"?>
 <p:sld xmlns:a="http://schemas.openxmlformats.org/drawingml/2006/main" xmlns:r="http://schemas.openxmlformats.org/officeDocument/2006/relationships" xmlns:p="http://schemas.openxmlformats.org/presentationml/2006/main">
   <p:cSld>
     <p:spTree>
@@ -6029,7 +6140,7 @@
 </p:sld>
 </file>
 
-<file path=ppt/slides/slide11.xml><?xml version="1.0" encoding="utf-8"?>
+<file path=ppt/slides/slide12.xml><?xml version="1.0" encoding="utf-8"?>
 <p:sld xmlns:a="http://schemas.openxmlformats.org/drawingml/2006/main" xmlns:r="http://schemas.openxmlformats.org/officeDocument/2006/relationships" xmlns:p="http://schemas.openxmlformats.org/presentationml/2006/main">
   <p:cSld>
     <p:spTree>
@@ -6197,7 +6308,7 @@
 </p:sld>
 </file>
 
-<file path=ppt/slides/slide12.xml><?xml version="1.0" encoding="utf-8"?>
+<file path=ppt/slides/slide13.xml><?xml version="1.0" encoding="utf-8"?>
 <p:sld xmlns:a="http://schemas.openxmlformats.org/drawingml/2006/main" xmlns:r="http://schemas.openxmlformats.org/officeDocument/2006/relationships" xmlns:p="http://schemas.openxmlformats.org/presentationml/2006/main">
   <p:cSld>
     <p:spTree>
@@ -9538,6 +9649,378 @@
           <a:chExt cx="0" cy="0"/>
         </a:xfrm>
       </p:grpSpPr>
+      <p:pic>
+        <p:nvPicPr>
+          <p:cNvPr id="10" name="Picture 2">
+            <a:extLst>
+              <a:ext uri="{FF2B5EF4-FFF2-40B4-BE49-F238E27FC236}">
+                <a16:creationId xmlns:a16="http://schemas.microsoft.com/office/drawing/2014/main" id="{252EECDD-5EF9-474F-908A-535BC059E7C3}"/>
+              </a:ext>
+            </a:extLst>
+          </p:cNvPr>
+          <p:cNvPicPr>
+            <a:picLocks noChangeAspect="1" noChangeArrowheads="1"/>
+          </p:cNvPicPr>
+          <p:nvPr/>
+        </p:nvPicPr>
+        <p:blipFill>
+          <a:blip r:embed="rId2">
+            <a:extLst>
+              <a:ext uri="{28A0092B-C50C-407E-A947-70E740481C1C}">
+                <a14:useLocalDpi xmlns:a14="http://schemas.microsoft.com/office/drawing/2010/main" val="0"/>
+              </a:ext>
+            </a:extLst>
+          </a:blip>
+          <a:stretch>
+            <a:fillRect/>
+          </a:stretch>
+        </p:blipFill>
+        <p:spPr bwMode="auto">
+          <a:xfrm>
+            <a:off x="6096000" y="1090902"/>
+            <a:ext cx="6716272" cy="4483111"/>
+          </a:xfrm>
+          <a:prstGeom prst="rect">
+            <a:avLst/>
+          </a:prstGeom>
+          <a:noFill/>
+          <a:extLst>
+            <a:ext uri="{909E8E84-426E-40DD-AFC4-6F175D3DCCD1}">
+              <a14:hiddenFill xmlns:a14="http://schemas.microsoft.com/office/drawing/2010/main">
+                <a:solidFill>
+                  <a:srgbClr val="FFFFFF"/>
+                </a:solidFill>
+              </a14:hiddenFill>
+            </a:ext>
+          </a:extLst>
+        </p:spPr>
+      </p:pic>
+      <p:sp useBgFill="1">
+        <p:nvSpPr>
+          <p:cNvPr id="22" name="직사각형 21">
+            <a:extLst>
+              <a:ext uri="{FF2B5EF4-FFF2-40B4-BE49-F238E27FC236}">
+                <a16:creationId xmlns:a16="http://schemas.microsoft.com/office/drawing/2014/main" id="{A9286AD2-18A9-4868-A4E3-7A2097A20810}"/>
+              </a:ext>
+              <a:ext uri="{C183D7F6-B498-43B3-948B-1728B52AA6E4}">
+                <adec:decorative xmlns:adec="http://schemas.microsoft.com/office/drawing/2017/decorative" val="1"/>
+              </a:ext>
+            </a:extLst>
+          </p:cNvPr>
+          <p:cNvSpPr>
+            <a:spLocks noGrp="1" noRot="1" noChangeAspect="1" noMove="1" noResize="1" noEditPoints="1" noAdjustHandles="1" noChangeArrowheads="1" noChangeShapeType="1" noTextEdit="1"/>
+          </p:cNvSpPr>
+          <p:nvPr>
+            <p:extLst>
+              <p:ext uri="{386F3935-93C4-4BCD-93E2-E3B085C9AB24}">
+                <p16:designElem xmlns:p16="http://schemas.microsoft.com/office/powerpoint/2015/main" val="1"/>
+              </p:ext>
+            </p:extLst>
+          </p:nvPr>
+        </p:nvSpPr>
+        <p:spPr>
+          <a:xfrm>
+            <a:off x="0" y="1"/>
+            <a:ext cx="12192001" cy="6857999"/>
+          </a:xfrm>
+          <a:prstGeom prst="rect">
+            <a:avLst/>
+          </a:prstGeom>
+          <a:ln>
+            <a:noFill/>
+          </a:ln>
+        </p:spPr>
+        <p:style>
+          <a:lnRef idx="2">
+            <a:schemeClr val="accent1">
+              <a:shade val="50000"/>
+            </a:schemeClr>
+          </a:lnRef>
+          <a:fillRef idx="1">
+            <a:schemeClr val="accent1"/>
+          </a:fillRef>
+          <a:effectRef idx="0">
+            <a:schemeClr val="accent1"/>
+          </a:effectRef>
+          <a:fontRef idx="minor">
+            <a:schemeClr val="lt1"/>
+          </a:fontRef>
+        </p:style>
+        <p:txBody>
+          <a:bodyPr rtlCol="0" anchor="ctr"/>
+          <a:lstStyle/>
+          <a:p>
+            <a:pPr algn="ctr" rtl="0"/>
+            <a:endParaRPr lang="en-US"/>
+          </a:p>
+        </p:txBody>
+      </p:sp>
+      <p:sp>
+        <p:nvSpPr>
+          <p:cNvPr id="2" name="제목 1">
+            <a:extLst>
+              <a:ext uri="{FF2B5EF4-FFF2-40B4-BE49-F238E27FC236}">
+                <a16:creationId xmlns:a16="http://schemas.microsoft.com/office/drawing/2014/main" id="{78FD68DA-43BA-4508-8DE2-BA9BB7B2FA5B}"/>
+              </a:ext>
+            </a:extLst>
+          </p:cNvPr>
+          <p:cNvSpPr>
+            <a:spLocks noGrp="1"/>
+          </p:cNvSpPr>
+          <p:nvPr>
+            <p:ph type="ctrTitle"/>
+          </p:nvPr>
+        </p:nvSpPr>
+        <p:spPr>
+          <a:xfrm>
+            <a:off x="4859195" y="2318640"/>
+            <a:ext cx="7130462" cy="1395586"/>
+          </a:xfrm>
+        </p:spPr>
+        <p:txBody>
+          <a:bodyPr rtlCol="0">
+            <a:normAutofit fontScale="90000"/>
+          </a:bodyPr>
+          <a:lstStyle/>
+          <a:p>
+            <a:pPr rtl="0"/>
+            <a:r>
+              <a:rPr lang="en-US" altLang="ko" sz="7200" dirty="0">
+                <a:latin typeface="Batang" panose="02030600000101010101" pitchFamily="18" charset="-127"/>
+                <a:ea typeface="Batang" panose="02030600000101010101" pitchFamily="18" charset="-127"/>
+              </a:rPr>
+              <a:t>KBO </a:t>
+            </a:r>
+            <a:r>
+              <a:rPr lang="ko-KR" altLang="en-US" sz="7200" dirty="0">
+                <a:latin typeface="Batang" panose="02030600000101010101" pitchFamily="18" charset="-127"/>
+                <a:ea typeface="Batang" panose="02030600000101010101" pitchFamily="18" charset="-127"/>
+              </a:rPr>
+              <a:t>데이터 셋을 </a:t>
+            </a:r>
+            <a:br>
+              <a:rPr lang="en-US" altLang="ko-KR" sz="7200" dirty="0">
+                <a:latin typeface="Batang" panose="02030600000101010101" pitchFamily="18" charset="-127"/>
+                <a:ea typeface="Batang" panose="02030600000101010101" pitchFamily="18" charset="-127"/>
+              </a:rPr>
+            </a:br>
+            <a:r>
+              <a:rPr lang="en-US" altLang="ko-KR" sz="7200" dirty="0">
+                <a:latin typeface="Batang" panose="02030600000101010101" pitchFamily="18" charset="-127"/>
+                <a:ea typeface="Batang" panose="02030600000101010101" pitchFamily="18" charset="-127"/>
+              </a:rPr>
+              <a:t>  </a:t>
+            </a:r>
+            <a:r>
+              <a:rPr lang="ko-KR" altLang="en-US" sz="7200" dirty="0">
+                <a:latin typeface="Batang" panose="02030600000101010101" pitchFamily="18" charset="-127"/>
+                <a:ea typeface="Batang" panose="02030600000101010101" pitchFamily="18" charset="-127"/>
+              </a:rPr>
+              <a:t>분석해보자</a:t>
+            </a:r>
+            <a:endParaRPr lang="ko" sz="7200" dirty="0">
+              <a:latin typeface="Batang" panose="02030600000101010101" pitchFamily="18" charset="-127"/>
+              <a:ea typeface="Batang" panose="02030600000101010101" pitchFamily="18" charset="-127"/>
+            </a:endParaRPr>
+          </a:p>
+        </p:txBody>
+      </p:sp>
+      <p:sp>
+        <p:nvSpPr>
+          <p:cNvPr id="3" name="부제목 2">
+            <a:extLst>
+              <a:ext uri="{FF2B5EF4-FFF2-40B4-BE49-F238E27FC236}">
+                <a16:creationId xmlns:a16="http://schemas.microsoft.com/office/drawing/2014/main" id="{A8E9CFF2-3777-4FF4-A759-8491175B0B7C}"/>
+              </a:ext>
+            </a:extLst>
+          </p:cNvPr>
+          <p:cNvSpPr>
+            <a:spLocks noGrp="1"/>
+          </p:cNvSpPr>
+          <p:nvPr>
+            <p:ph type="subTitle" idx="1"/>
+          </p:nvPr>
+        </p:nvSpPr>
+        <p:spPr>
+          <a:xfrm>
+            <a:off x="5289753" y="4672739"/>
+            <a:ext cx="6269347" cy="1021498"/>
+          </a:xfrm>
+        </p:spPr>
+        <p:txBody>
+          <a:bodyPr rtlCol="0">
+            <a:normAutofit/>
+          </a:bodyPr>
+          <a:lstStyle/>
+          <a:p>
+            <a:pPr rtl="0"/>
+            <a:r>
+              <a:rPr lang="ko-KR" altLang="en-US" sz="2400" dirty="0">
+                <a:solidFill>
+                  <a:schemeClr val="tx1">
+                    <a:lumMod val="85000"/>
+                    <a:lumOff val="15000"/>
+                  </a:schemeClr>
+                </a:solidFill>
+              </a:rPr>
+              <a:t>팀</a:t>
+            </a:r>
+            <a:r>
+              <a:rPr lang="en-US" altLang="ko-KR" sz="2400" dirty="0">
+                <a:solidFill>
+                  <a:schemeClr val="tx1">
+                    <a:lumMod val="85000"/>
+                    <a:lumOff val="15000"/>
+                  </a:schemeClr>
+                </a:solidFill>
+              </a:rPr>
+              <a:t>: </a:t>
+            </a:r>
+            <a:r>
+              <a:rPr lang="en-US" altLang="ko-KR" dirty="0">
+                <a:solidFill>
+                  <a:schemeClr val="tx1">
+                    <a:lumMod val="85000"/>
+                    <a:lumOff val="15000"/>
+                  </a:schemeClr>
+                </a:solidFill>
+              </a:rPr>
+              <a:t>Money ball </a:t>
+            </a:r>
+            <a:endParaRPr lang="ko" sz="2400" dirty="0">
+              <a:solidFill>
+                <a:schemeClr val="tx1">
+                  <a:lumMod val="85000"/>
+                  <a:lumOff val="15000"/>
+                </a:schemeClr>
+              </a:solidFill>
+            </a:endParaRPr>
+          </a:p>
+        </p:txBody>
+      </p:sp>
+      <p:cxnSp>
+        <p:nvCxnSpPr>
+          <p:cNvPr id="24" name="직선 연결선(S) 23">
+            <a:extLst>
+              <a:ext uri="{FF2B5EF4-FFF2-40B4-BE49-F238E27FC236}">
+                <a16:creationId xmlns:a16="http://schemas.microsoft.com/office/drawing/2014/main" id="{E7A7CD63-7EC3-44F3-95D0-595C4019FF24}"/>
+              </a:ext>
+              <a:ext uri="{C183D7F6-B498-43B3-948B-1728B52AA6E4}">
+                <adec:decorative xmlns:adec="http://schemas.microsoft.com/office/drawing/2017/decorative" val="1"/>
+              </a:ext>
+            </a:extLst>
+          </p:cNvPr>
+          <p:cNvCxnSpPr>
+            <a:cxnSpLocks noGrp="1" noRot="1" noChangeAspect="1" noMove="1" noResize="1" noEditPoints="1" noAdjustHandles="1" noChangeArrowheads="1" noChangeShapeType="1"/>
+          </p:cNvCxnSpPr>
+          <p:nvPr>
+            <p:extLst>
+              <p:ext uri="{386F3935-93C4-4BCD-93E2-E3B085C9AB24}">
+                <p16:designElem xmlns:p16="http://schemas.microsoft.com/office/powerpoint/2015/main" val="1"/>
+              </p:ext>
+            </p:extLst>
+          </p:nvPr>
+        </p:nvCxnSpPr>
+        <p:spPr>
+          <a:xfrm>
+            <a:off x="5427754" y="4498925"/>
+            <a:ext cx="5636107" cy="0"/>
+          </a:xfrm>
+          <a:prstGeom prst="line">
+            <a:avLst/>
+          </a:prstGeom>
+          <a:ln w="12700">
+            <a:solidFill>
+              <a:schemeClr val="tx1">
+                <a:lumMod val="75000"/>
+                <a:lumOff val="25000"/>
+              </a:schemeClr>
+            </a:solidFill>
+          </a:ln>
+        </p:spPr>
+        <p:style>
+          <a:lnRef idx="1">
+            <a:schemeClr val="accent1"/>
+          </a:lnRef>
+          <a:fillRef idx="0">
+            <a:schemeClr val="accent1"/>
+          </a:fillRef>
+          <a:effectRef idx="0">
+            <a:schemeClr val="accent1"/>
+          </a:effectRef>
+          <a:fontRef idx="minor">
+            <a:schemeClr val="tx1"/>
+          </a:fontRef>
+        </p:style>
+      </p:cxnSp>
+      <p:pic>
+        <p:nvPicPr>
+          <p:cNvPr id="9" name="그림 8">
+            <a:extLst>
+              <a:ext uri="{FF2B5EF4-FFF2-40B4-BE49-F238E27FC236}">
+                <a16:creationId xmlns:a16="http://schemas.microsoft.com/office/drawing/2014/main" id="{D730C55B-3DDA-465A-AADC-C6173C1A8E2B}"/>
+              </a:ext>
+            </a:extLst>
+          </p:cNvPr>
+          <p:cNvPicPr>
+            <a:picLocks noChangeAspect="1"/>
+          </p:cNvPicPr>
+          <p:nvPr/>
+        </p:nvPicPr>
+        <p:blipFill>
+          <a:blip r:embed="rId3"/>
+          <a:stretch>
+            <a:fillRect/>
+          </a:stretch>
+        </p:blipFill>
+        <p:spPr>
+          <a:xfrm>
+            <a:off x="263959" y="627507"/>
+            <a:ext cx="4107394" cy="5888737"/>
+          </a:xfrm>
+          <a:prstGeom prst="rect">
+            <a:avLst/>
+          </a:prstGeom>
+        </p:spPr>
+      </p:pic>
+    </p:spTree>
+    <p:extLst>
+      <p:ext uri="{BB962C8B-B14F-4D97-AF65-F5344CB8AC3E}">
+        <p14:creationId xmlns:p14="http://schemas.microsoft.com/office/powerpoint/2010/main" val="4043737824"/>
+      </p:ext>
+    </p:extLst>
+  </p:cSld>
+  <p:clrMapOvr>
+    <a:masterClrMapping/>
+  </p:clrMapOvr>
+</p:sld>
+</file>
+
+<file path=ppt/slides/slide3.xml><?xml version="1.0" encoding="utf-8"?>
+<p:sld xmlns:a="http://schemas.openxmlformats.org/drawingml/2006/main" xmlns:r="http://schemas.openxmlformats.org/officeDocument/2006/relationships" xmlns:p="http://schemas.openxmlformats.org/presentationml/2006/main">
+  <p:cSld>
+    <p:bg>
+      <p:bgPr>
+        <a:solidFill>
+          <a:schemeClr val="bg1"/>
+        </a:solidFill>
+        <a:effectLst/>
+      </p:bgPr>
+    </p:bg>
+    <p:spTree>
+      <p:nvGrpSpPr>
+        <p:cNvPr id="1" name=""/>
+        <p:cNvGrpSpPr/>
+        <p:nvPr/>
+      </p:nvGrpSpPr>
+      <p:grpSpPr>
+        <a:xfrm>
+          <a:off x="0" y="0"/>
+          <a:ext cx="0" cy="0"/>
+          <a:chOff x="0" y="0"/>
+          <a:chExt cx="0" cy="0"/>
+        </a:xfrm>
+      </p:grpSpPr>
       <p:sp>
         <p:nvSpPr>
           <p:cNvPr id="47" name="직사각형 46">
@@ -9620,7 +10103,7 @@
         <p:spPr>
           <a:xfrm>
             <a:off x="1100339" y="775730"/>
-            <a:ext cx="4159557" cy="935624"/>
+            <a:ext cx="4159557" cy="281545"/>
           </a:xfrm>
         </p:spPr>
         <p:txBody>
@@ -9778,8 +10261,8 @@
         </p:nvSpPr>
         <p:spPr>
           <a:xfrm>
-            <a:off x="1100340" y="1711354"/>
-            <a:ext cx="4671286" cy="1569660"/>
+            <a:off x="890789" y="1057275"/>
+            <a:ext cx="10720185" cy="3416320"/>
           </a:xfrm>
           <a:prstGeom prst="rect">
             <a:avLst/>
@@ -9792,18 +10275,21 @@
           </a:bodyPr>
           <a:lstStyle/>
           <a:p>
-            <a:r>
-              <a:rPr lang="en-US" altLang="ko" sz="2400" i="1" dirty="0">
+            <a:pPr marL="457200" indent="-457200">
+              <a:buAutoNum type="arabicPeriod"/>
+            </a:pPr>
+            <a:r>
+              <a:rPr lang="en-US" altLang="ko" i="1" dirty="0">
                 <a:solidFill>
                   <a:srgbClr val="FFFFFF"/>
                 </a:solidFill>
                 <a:latin typeface="Batang" panose="02030600000101010101" pitchFamily="18" charset="-127"/>
                 <a:ea typeface="Batang" panose="02030600000101010101" pitchFamily="18" charset="-127"/>
               </a:rPr>
-              <a:t>1. </a:t>
-            </a:r>
-            <a:r>
-              <a:rPr lang="ko-KR" altLang="en-US" sz="2400" i="1" dirty="0">
+              <a:t>KBO DATA </a:t>
+            </a:r>
+            <a:r>
+              <a:rPr lang="ko-KR" altLang="en-US" i="1" dirty="0">
                 <a:solidFill>
                   <a:srgbClr val="FFFFFF"/>
                 </a:solidFill>
@@ -9812,94 +10298,281 @@
               </a:rPr>
               <a:t>개요 </a:t>
             </a:r>
-            <a:br>
-              <a:rPr lang="en-US" altLang="ko" sz="2400" i="1" dirty="0">
+            <a:r>
+              <a:rPr lang="en-US" altLang="ko-KR" i="1" dirty="0">
                 <a:solidFill>
                   <a:srgbClr val="FFFFFF"/>
                 </a:solidFill>
                 <a:latin typeface="Batang" panose="02030600000101010101" pitchFamily="18" charset="-127"/>
                 <a:ea typeface="Batang" panose="02030600000101010101" pitchFamily="18" charset="-127"/>
               </a:rPr>
-            </a:br>
-            <a:r>
-              <a:rPr lang="en-US" altLang="ko" sz="2400" i="1" dirty="0">
+              <a:t>– 37</a:t>
+            </a:r>
+            <a:r>
+              <a:rPr lang="ko-KR" altLang="en-US" i="1" dirty="0">
                 <a:solidFill>
                   <a:srgbClr val="FFFFFF"/>
                 </a:solidFill>
                 <a:latin typeface="Batang" panose="02030600000101010101" pitchFamily="18" charset="-127"/>
                 <a:ea typeface="Batang" panose="02030600000101010101" pitchFamily="18" charset="-127"/>
               </a:rPr>
-              <a:t>2. </a:t>
-            </a:r>
-            <a:r>
-              <a:rPr lang="ko-KR" altLang="en-US" sz="2400" i="1" dirty="0">
+              <a:t>개 컬럼 설명</a:t>
+            </a:r>
+            <a:endParaRPr lang="en-US" altLang="ko-KR" i="1" dirty="0">
+              <a:solidFill>
+                <a:srgbClr val="FFFFFF"/>
+              </a:solidFill>
+              <a:latin typeface="Batang" panose="02030600000101010101" pitchFamily="18" charset="-127"/>
+              <a:ea typeface="Batang" panose="02030600000101010101" pitchFamily="18" charset="-127"/>
+            </a:endParaRPr>
+          </a:p>
+          <a:p>
+            <a:pPr marL="457200" indent="-457200">
+              <a:buAutoNum type="arabicPeriod"/>
+            </a:pPr>
+            <a:r>
+              <a:rPr lang="ko-KR" altLang="en-US" i="1" dirty="0">
                 <a:solidFill>
                   <a:srgbClr val="FFFFFF"/>
                 </a:solidFill>
                 <a:latin typeface="Batang" panose="02030600000101010101" pitchFamily="18" charset="-127"/>
                 <a:ea typeface="Batang" panose="02030600000101010101" pitchFamily="18" charset="-127"/>
               </a:rPr>
-              <a:t>프로젝트 목표</a:t>
-            </a:r>
-            <a:br>
-              <a:rPr lang="en-US" altLang="ko-KR" sz="2400" i="1" dirty="0">
+              <a:t>데이터 확인</a:t>
+            </a:r>
+            <a:endParaRPr lang="en-US" altLang="ko-KR" i="1" dirty="0">
+              <a:solidFill>
+                <a:srgbClr val="FFFFFF"/>
+              </a:solidFill>
+              <a:latin typeface="Batang" panose="02030600000101010101" pitchFamily="18" charset="-127"/>
+              <a:ea typeface="Batang" panose="02030600000101010101" pitchFamily="18" charset="-127"/>
+            </a:endParaRPr>
+          </a:p>
+          <a:p>
+            <a:pPr marL="457200" indent="-457200">
+              <a:buAutoNum type="arabicPeriod"/>
+            </a:pPr>
+            <a:r>
+              <a:rPr lang="ko-KR" altLang="en-US" i="1" dirty="0">
                 <a:solidFill>
                   <a:srgbClr val="FFFFFF"/>
                 </a:solidFill>
                 <a:latin typeface="Batang" panose="02030600000101010101" pitchFamily="18" charset="-127"/>
                 <a:ea typeface="Batang" panose="02030600000101010101" pitchFamily="18" charset="-127"/>
               </a:rPr>
-            </a:br>
-            <a:r>
-              <a:rPr lang="en-US" altLang="ko-KR" sz="2400" i="1" dirty="0">
+              <a:t>데이터 </a:t>
+            </a:r>
+            <a:r>
+              <a:rPr lang="ko-KR" altLang="en-US" i="1" dirty="0" err="1">
                 <a:solidFill>
                   <a:srgbClr val="FFFFFF"/>
                 </a:solidFill>
                 <a:latin typeface="Batang" panose="02030600000101010101" pitchFamily="18" charset="-127"/>
                 <a:ea typeface="Batang" panose="02030600000101010101" pitchFamily="18" charset="-127"/>
               </a:rPr>
-              <a:t>3.</a:t>
-            </a:r>
-            <a:r>
-              <a:rPr lang="ko-KR" altLang="en-US" sz="2400" i="1" dirty="0">
+              <a:t>전처리</a:t>
+            </a:r>
+            <a:endParaRPr lang="en-US" altLang="ko-KR" i="1" dirty="0">
+              <a:solidFill>
+                <a:srgbClr val="FFFFFF"/>
+              </a:solidFill>
+              <a:latin typeface="Batang" panose="02030600000101010101" pitchFamily="18" charset="-127"/>
+              <a:ea typeface="Batang" panose="02030600000101010101" pitchFamily="18" charset="-127"/>
+            </a:endParaRPr>
+          </a:p>
+          <a:p>
+            <a:pPr marL="457200" indent="-457200">
+              <a:buAutoNum type="arabicPeriod"/>
+            </a:pPr>
+            <a:r>
+              <a:rPr lang="ko-KR" altLang="en-US" i="1" dirty="0">
                 <a:solidFill>
                   <a:srgbClr val="FFFFFF"/>
                 </a:solidFill>
                 <a:latin typeface="Batang" panose="02030600000101010101" pitchFamily="18" charset="-127"/>
                 <a:ea typeface="Batang" panose="02030600000101010101" pitchFamily="18" charset="-127"/>
               </a:rPr>
-              <a:t> 과정 </a:t>
-            </a:r>
-            <a:br>
-              <a:rPr lang="en-US" altLang="ko-KR" sz="2400" i="1" dirty="0">
+              <a:t>주요 공격지표 선정</a:t>
+            </a:r>
+            <a:endParaRPr lang="en-US" altLang="ko-KR" i="1" dirty="0">
+              <a:solidFill>
+                <a:srgbClr val="FFFFFF"/>
+              </a:solidFill>
+              <a:latin typeface="Batang" panose="02030600000101010101" pitchFamily="18" charset="-127"/>
+              <a:ea typeface="Batang" panose="02030600000101010101" pitchFamily="18" charset="-127"/>
+            </a:endParaRPr>
+          </a:p>
+          <a:p>
+            <a:pPr marL="914400" lvl="1" indent="-457200">
+              <a:buAutoNum type="arabicPeriod"/>
+            </a:pPr>
+            <a:r>
+              <a:rPr lang="ko-KR" altLang="en-US" i="1" dirty="0">
                 <a:solidFill>
                   <a:srgbClr val="FFFFFF"/>
                 </a:solidFill>
                 <a:latin typeface="Batang" panose="02030600000101010101" pitchFamily="18" charset="-127"/>
                 <a:ea typeface="Batang" panose="02030600000101010101" pitchFamily="18" charset="-127"/>
               </a:rPr>
-            </a:br>
-            <a:r>
-              <a:rPr lang="en-US" altLang="ko-KR" sz="2400" i="1" dirty="0">
+              <a:t>전통적 지표 </a:t>
+            </a:r>
+            <a:r>
+              <a:rPr lang="en-US" altLang="ko-KR" i="1" dirty="0">
                 <a:solidFill>
                   <a:srgbClr val="FFFFFF"/>
                 </a:solidFill>
                 <a:latin typeface="Batang" panose="02030600000101010101" pitchFamily="18" charset="-127"/>
                 <a:ea typeface="Batang" panose="02030600000101010101" pitchFamily="18" charset="-127"/>
               </a:rPr>
-              <a:t>4. </a:t>
-            </a:r>
-            <a:r>
-              <a:rPr lang="ko-KR" altLang="en-US" sz="2400" i="1" dirty="0">
+              <a:t>vs. </a:t>
+            </a:r>
+            <a:r>
+              <a:rPr lang="ko-KR" altLang="en-US" i="1" dirty="0" err="1">
                 <a:solidFill>
                   <a:srgbClr val="FFFFFF"/>
                 </a:solidFill>
                 <a:latin typeface="Batang" panose="02030600000101010101" pitchFamily="18" charset="-127"/>
                 <a:ea typeface="Batang" panose="02030600000101010101" pitchFamily="18" charset="-127"/>
               </a:rPr>
-              <a:t>결론</a:t>
-            </a:r>
-            <a:endParaRPr lang="ko-KR" altLang="en-US" sz="2400" dirty="0"/>
+              <a:t>세이버메트릭스</a:t>
+            </a:r>
+            <a:endParaRPr lang="en-US" altLang="ko-KR" i="1" dirty="0">
+              <a:solidFill>
+                <a:srgbClr val="FFFFFF"/>
+              </a:solidFill>
+              <a:latin typeface="Batang" panose="02030600000101010101" pitchFamily="18" charset="-127"/>
+              <a:ea typeface="Batang" panose="02030600000101010101" pitchFamily="18" charset="-127"/>
+            </a:endParaRPr>
+          </a:p>
+          <a:p>
+            <a:pPr marL="914400" lvl="1" indent="-457200">
+              <a:buAutoNum type="arabicPeriod"/>
+            </a:pPr>
+            <a:r>
+              <a:rPr lang="ko-KR" altLang="en-US" i="1" dirty="0">
+                <a:solidFill>
+                  <a:srgbClr val="FFFFFF"/>
+                </a:solidFill>
+                <a:latin typeface="Batang" panose="02030600000101010101" pitchFamily="18" charset="-127"/>
+                <a:ea typeface="Batang" panose="02030600000101010101" pitchFamily="18" charset="-127"/>
+              </a:rPr>
+              <a:t>주요 공격지표 선정</a:t>
+            </a:r>
+            <a:endParaRPr lang="en-US" altLang="ko-KR" i="1" dirty="0">
+              <a:solidFill>
+                <a:srgbClr val="FFFFFF"/>
+              </a:solidFill>
+              <a:latin typeface="Batang" panose="02030600000101010101" pitchFamily="18" charset="-127"/>
+              <a:ea typeface="Batang" panose="02030600000101010101" pitchFamily="18" charset="-127"/>
+            </a:endParaRPr>
+          </a:p>
+          <a:p>
+            <a:pPr marL="914400" lvl="1" indent="-457200">
+              <a:buAutoNum type="arabicPeriod"/>
+            </a:pPr>
+            <a:r>
+              <a:rPr lang="ko-KR" altLang="en-US" i="1" dirty="0">
+                <a:solidFill>
+                  <a:srgbClr val="FFFFFF"/>
+                </a:solidFill>
+                <a:latin typeface="Batang" panose="02030600000101010101" pitchFamily="18" charset="-127"/>
+                <a:ea typeface="Batang" panose="02030600000101010101" pitchFamily="18" charset="-127"/>
+              </a:rPr>
+              <a:t>주요 공격지표간 상관관계</a:t>
+            </a:r>
+            <a:endParaRPr lang="en-US" altLang="ko-KR" i="1" dirty="0">
+              <a:solidFill>
+                <a:srgbClr val="FFFFFF"/>
+              </a:solidFill>
+              <a:latin typeface="Batang" panose="02030600000101010101" pitchFamily="18" charset="-127"/>
+              <a:ea typeface="Batang" panose="02030600000101010101" pitchFamily="18" charset="-127"/>
+            </a:endParaRPr>
+          </a:p>
+          <a:p>
+            <a:pPr marL="914400" lvl="1" indent="-457200">
+              <a:buAutoNum type="arabicPeriod"/>
+            </a:pPr>
+            <a:r>
+              <a:rPr lang="ko-KR" altLang="en-US" i="1" dirty="0">
+                <a:solidFill>
+                  <a:srgbClr val="FFFFFF"/>
+                </a:solidFill>
+                <a:latin typeface="Batang" panose="02030600000101010101" pitchFamily="18" charset="-127"/>
+                <a:ea typeface="Batang" panose="02030600000101010101" pitchFamily="18" charset="-127"/>
+              </a:rPr>
+              <a:t>최종 사용 컬럼 선정</a:t>
+            </a:r>
+            <a:endParaRPr lang="en-US" altLang="ko-KR" i="1" dirty="0">
+              <a:solidFill>
+                <a:srgbClr val="FFFFFF"/>
+              </a:solidFill>
+              <a:latin typeface="Batang" panose="02030600000101010101" pitchFamily="18" charset="-127"/>
+              <a:ea typeface="Batang" panose="02030600000101010101" pitchFamily="18" charset="-127"/>
+            </a:endParaRPr>
+          </a:p>
+          <a:p>
+            <a:pPr marL="457200" indent="-457200">
+              <a:buAutoNum type="arabicPeriod"/>
+            </a:pPr>
+            <a:r>
+              <a:rPr lang="ko-KR" altLang="en-US" i="1" dirty="0">
+                <a:solidFill>
+                  <a:srgbClr val="FFFFFF"/>
+                </a:solidFill>
+                <a:latin typeface="Batang" panose="02030600000101010101" pitchFamily="18" charset="-127"/>
+                <a:ea typeface="Batang" panose="02030600000101010101" pitchFamily="18" charset="-127"/>
+              </a:rPr>
+              <a:t>데이터 분석</a:t>
+            </a:r>
+            <a:endParaRPr lang="en-US" altLang="ko-KR" i="1" dirty="0">
+              <a:solidFill>
+                <a:srgbClr val="FFFFFF"/>
+              </a:solidFill>
+              <a:latin typeface="Batang" panose="02030600000101010101" pitchFamily="18" charset="-127"/>
+              <a:ea typeface="Batang" panose="02030600000101010101" pitchFamily="18" charset="-127"/>
+            </a:endParaRPr>
+          </a:p>
+          <a:p>
+            <a:pPr marL="914400" lvl="1" indent="-457200">
+              <a:buAutoNum type="arabicPeriod"/>
+            </a:pPr>
+            <a:r>
+              <a:rPr lang="ko-KR" altLang="en-US" i="1" dirty="0">
+                <a:solidFill>
+                  <a:srgbClr val="FFFFFF"/>
+                </a:solidFill>
+                <a:latin typeface="Batang" panose="02030600000101010101" pitchFamily="18" charset="-127"/>
+                <a:ea typeface="Batang" panose="02030600000101010101" pitchFamily="18" charset="-127"/>
+              </a:rPr>
+              <a:t>나이별 기량 변화</a:t>
+            </a:r>
+            <a:endParaRPr lang="en-US" altLang="ko-KR" i="1" dirty="0">
+              <a:solidFill>
+                <a:srgbClr val="FFFFFF"/>
+              </a:solidFill>
+              <a:latin typeface="Batang" panose="02030600000101010101" pitchFamily="18" charset="-127"/>
+              <a:ea typeface="Batang" panose="02030600000101010101" pitchFamily="18" charset="-127"/>
+            </a:endParaRPr>
+          </a:p>
+          <a:p>
+            <a:pPr marL="914400" lvl="1" indent="-457200">
+              <a:buAutoNum type="arabicPeriod"/>
+            </a:pPr>
+            <a:r>
+              <a:rPr lang="ko-KR" altLang="en-US" dirty="0"/>
+              <a:t>연도별 연봉 변화</a:t>
+            </a:r>
+            <a:endParaRPr lang="en-US" altLang="ko-KR" dirty="0"/>
+          </a:p>
+          <a:p>
+            <a:pPr marL="914400" lvl="1" indent="-457200">
+              <a:buAutoNum type="arabicPeriod"/>
+            </a:pPr>
+            <a:r>
+              <a:rPr lang="en-US" altLang="ko-KR"/>
+              <a:t>…</a:t>
+            </a:r>
+            <a:endParaRPr lang="ko-KR" altLang="en-US" dirty="0"/>
           </a:p>
         </p:txBody>
       </p:sp>
@@ -10148,7 +10821,7 @@
 </p:sld>
 </file>
 
-<file path=ppt/slides/slide3.xml><?xml version="1.0" encoding="utf-8"?>
+<file path=ppt/slides/slide4.xml><?xml version="1.0" encoding="utf-8"?>
 <p:sld xmlns:a="http://schemas.openxmlformats.org/drawingml/2006/main" xmlns:r="http://schemas.openxmlformats.org/officeDocument/2006/relationships" xmlns:p="http://schemas.openxmlformats.org/presentationml/2006/main">
   <p:cSld>
     <p:spTree>
@@ -10244,7 +10917,7 @@
 </p:sld>
 </file>
 
-<file path=ppt/slides/slide4.xml><?xml version="1.0" encoding="utf-8"?>
+<file path=ppt/slides/slide5.xml><?xml version="1.0" encoding="utf-8"?>
 <p:sld xmlns:a="http://schemas.openxmlformats.org/drawingml/2006/main" xmlns:r="http://schemas.openxmlformats.org/officeDocument/2006/relationships" xmlns:p="http://schemas.openxmlformats.org/presentationml/2006/main">
   <p:cSld>
     <p:spTree>
@@ -10857,7 +11530,7 @@
 </p:sld>
 </file>
 
-<file path=ppt/slides/slide5.xml><?xml version="1.0" encoding="utf-8"?>
+<file path=ppt/slides/slide6.xml><?xml version="1.0" encoding="utf-8"?>
 <p:sld xmlns:a="http://schemas.openxmlformats.org/drawingml/2006/main" xmlns:r="http://schemas.openxmlformats.org/officeDocument/2006/relationships" xmlns:p="http://schemas.openxmlformats.org/presentationml/2006/main">
   <p:cSld>
     <p:spTree>
@@ -11519,7 +12192,7 @@
 </p:sld>
 </file>
 
-<file path=ppt/slides/slide6.xml><?xml version="1.0" encoding="utf-8"?>
+<file path=ppt/slides/slide7.xml><?xml version="1.0" encoding="utf-8"?>
 <p:sld xmlns:a="http://schemas.openxmlformats.org/drawingml/2006/main" xmlns:r="http://schemas.openxmlformats.org/officeDocument/2006/relationships" xmlns:p="http://schemas.openxmlformats.org/presentationml/2006/main">
   <p:cSld>
     <p:spTree>
@@ -11617,7 +12290,7 @@
 </p:sld>
 </file>
 
-<file path=ppt/slides/slide7.xml><?xml version="1.0" encoding="utf-8"?>
+<file path=ppt/slides/slide8.xml><?xml version="1.0" encoding="utf-8"?>
 <p:sld xmlns:a="http://schemas.openxmlformats.org/drawingml/2006/main" xmlns:r="http://schemas.openxmlformats.org/officeDocument/2006/relationships" xmlns:p="http://schemas.openxmlformats.org/presentationml/2006/main">
   <p:cSld>
     <p:spTree>
@@ -12039,7 +12712,7 @@
 </p:sld>
 </file>
 
-<file path=ppt/slides/slide8.xml><?xml version="1.0" encoding="utf-8"?>
+<file path=ppt/slides/slide9.xml><?xml version="1.0" encoding="utf-8"?>
 <p:sld xmlns:a="http://schemas.openxmlformats.org/drawingml/2006/main" xmlns:r="http://schemas.openxmlformats.org/officeDocument/2006/relationships" xmlns:p="http://schemas.openxmlformats.org/presentationml/2006/main">
   <p:cSld>
     <p:spTree>
@@ -12180,184 +12853,6 @@
                                         <p:cTn id="7" dur="500"/>
                                         <p:tgtEl>
                                           <p:spTgt spid="5"/>
-                                        </p:tgtEl>
-                                      </p:cBhvr>
-                                    </p:animEffect>
-                                  </p:childTnLst>
-                                </p:cTn>
-                              </p:par>
-                            </p:childTnLst>
-                          </p:cTn>
-                        </p:par>
-                      </p:childTnLst>
-                    </p:cTn>
-                  </p:par>
-                </p:childTnLst>
-              </p:cTn>
-              <p:prevCondLst>
-                <p:cond evt="onPrev" delay="0">
-                  <p:tgtEl>
-                    <p:sldTgt/>
-                  </p:tgtEl>
-                </p:cond>
-              </p:prevCondLst>
-              <p:nextCondLst>
-                <p:cond evt="onNext" delay="0">
-                  <p:tgtEl>
-                    <p:sldTgt/>
-                  </p:tgtEl>
-                </p:cond>
-              </p:nextCondLst>
-            </p:seq>
-          </p:childTnLst>
-        </p:cTn>
-      </p:par>
-    </p:tnLst>
-  </p:timing>
-</p:sld>
-</file>
-
-<file path=ppt/slides/slide9.xml><?xml version="1.0" encoding="utf-8"?>
-<p:sld xmlns:a="http://schemas.openxmlformats.org/drawingml/2006/main" xmlns:r="http://schemas.openxmlformats.org/officeDocument/2006/relationships" xmlns:p="http://schemas.openxmlformats.org/presentationml/2006/main">
-  <p:cSld>
-    <p:spTree>
-      <p:nvGrpSpPr>
-        <p:cNvPr id="1" name=""/>
-        <p:cNvGrpSpPr/>
-        <p:nvPr/>
-      </p:nvGrpSpPr>
-      <p:grpSpPr>
-        <a:xfrm>
-          <a:off x="0" y="0"/>
-          <a:ext cx="0" cy="0"/>
-          <a:chOff x="0" y="0"/>
-          <a:chExt cx="0" cy="0"/>
-        </a:xfrm>
-      </p:grpSpPr>
-      <p:sp>
-        <p:nvSpPr>
-          <p:cNvPr id="2" name="날짜 개체 틀 1">
-            <a:extLst>
-              <a:ext uri="{FF2B5EF4-FFF2-40B4-BE49-F238E27FC236}">
-                <a16:creationId xmlns:a16="http://schemas.microsoft.com/office/drawing/2014/main" id="{E265EF42-D778-4A19-A814-A21F826D89A7}"/>
-              </a:ext>
-            </a:extLst>
-          </p:cNvPr>
-          <p:cNvSpPr>
-            <a:spLocks noGrp="1"/>
-          </p:cNvSpPr>
-          <p:nvPr>
-            <p:ph type="dt" sz="half" idx="10"/>
-          </p:nvPr>
-        </p:nvSpPr>
-        <p:spPr/>
-        <p:txBody>
-          <a:bodyPr/>
-          <a:lstStyle/>
-          <a:p>
-            <a:fld id="{0217DB4B-3A50-4455-B2E8-E700516BF366}" type="datetime1">
-              <a:rPr lang="ko-KR" altLang="en-US" smtClean="0"/>
-              <a:t>2022-03-10</a:t>
-            </a:fld>
-            <a:endParaRPr lang="en-US" dirty="0"/>
-          </a:p>
-        </p:txBody>
-      </p:sp>
-      <p:pic>
-        <p:nvPicPr>
-          <p:cNvPr id="4" name="그림 3">
-            <a:extLst>
-              <a:ext uri="{FF2B5EF4-FFF2-40B4-BE49-F238E27FC236}">
-                <a16:creationId xmlns:a16="http://schemas.microsoft.com/office/drawing/2014/main" id="{CF7B8D92-B55A-47F1-9691-BD2C551FF681}"/>
-              </a:ext>
-            </a:extLst>
-          </p:cNvPr>
-          <p:cNvPicPr>
-            <a:picLocks noChangeAspect="1"/>
-          </p:cNvPicPr>
-          <p:nvPr/>
-        </p:nvPicPr>
-        <p:blipFill>
-          <a:blip r:embed="rId2">
-            <a:extLst>
-              <a:ext uri="{28A0092B-C50C-407E-A947-70E740481C1C}">
-                <a14:useLocalDpi xmlns:a14="http://schemas.microsoft.com/office/drawing/2010/main" val="0"/>
-              </a:ext>
-            </a:extLst>
-          </a:blip>
-          <a:stretch>
-            <a:fillRect/>
-          </a:stretch>
-        </p:blipFill>
-        <p:spPr>
-          <a:xfrm>
-            <a:off x="0" y="179631"/>
-            <a:ext cx="12192000" cy="6267207"/>
-          </a:xfrm>
-          <a:prstGeom prst="rect">
-            <a:avLst/>
-          </a:prstGeom>
-        </p:spPr>
-      </p:pic>
-    </p:spTree>
-    <p:extLst>
-      <p:ext uri="{BB962C8B-B14F-4D97-AF65-F5344CB8AC3E}">
-        <p14:creationId xmlns:p14="http://schemas.microsoft.com/office/powerpoint/2010/main" val="377918841"/>
-      </p:ext>
-    </p:extLst>
-  </p:cSld>
-  <p:clrMapOvr>
-    <a:masterClrMapping/>
-  </p:clrMapOvr>
-  <p:timing>
-    <p:tnLst>
-      <p:par>
-        <p:cTn id="1" dur="indefinite" restart="never" nodeType="tmRoot">
-          <p:childTnLst>
-            <p:seq concurrent="1" nextAc="seek">
-              <p:cTn id="2" dur="indefinite" nodeType="mainSeq">
-                <p:childTnLst>
-                  <p:par>
-                    <p:cTn id="3" fill="hold">
-                      <p:stCondLst>
-                        <p:cond delay="indefinite"/>
-                      </p:stCondLst>
-                      <p:childTnLst>
-                        <p:par>
-                          <p:cTn id="4" fill="hold">
-                            <p:stCondLst>
-                              <p:cond delay="0"/>
-                            </p:stCondLst>
-                            <p:childTnLst>
-                              <p:par>
-                                <p:cTn id="5" presetID="22" presetClass="entr" presetSubtype="4" fill="hold" nodeType="clickEffect">
-                                  <p:stCondLst>
-                                    <p:cond delay="0"/>
-                                  </p:stCondLst>
-                                  <p:childTnLst>
-                                    <p:set>
-                                      <p:cBhvr>
-                                        <p:cTn id="6" dur="1" fill="hold">
-                                          <p:stCondLst>
-                                            <p:cond delay="0"/>
-                                          </p:stCondLst>
-                                        </p:cTn>
-                                        <p:tgtEl>
-                                          <p:spTgt spid="4"/>
-                                        </p:tgtEl>
-                                        <p:attrNameLst>
-                                          <p:attrName>style.visibility</p:attrName>
-                                        </p:attrNameLst>
-                                      </p:cBhvr>
-                                      <p:to>
-                                        <p:strVal val="visible"/>
-                                      </p:to>
-                                    </p:set>
-                                    <p:animEffect transition="in" filter="wipe(down)">
-                                      <p:cBhvr>
-                                        <p:cTn id="7" dur="500"/>
-                                        <p:tgtEl>
-                                          <p:spTgt spid="4"/>
                                         </p:tgtEl>
                                       </p:cBhvr>
                                     </p:animEffect>
